--- a/Milestone#2 Reportouts/Milestone 2 report (WIP).pptx
+++ b/Milestone#2 Reportouts/Milestone 2 report (WIP).pptx
@@ -285,7 +285,7 @@
       </p15:sldGuideLst>
     </p:ext>
     <p:ext uri="http://customooxmlschemas.google.com/">
-      <go:slidesCustomData xmlns:go="http://customooxmlschemas.google.com/" xmlns:p15="http://schemas.microsoft.com/office/powerpoint/2012/main" xmlns:p14="http://schemas.microsoft.com/office/powerpoint/2010/main" xmlns:com="http://schemas.openxmlformats.org/drawingml/2006/compatibility" xmlns:pvml="urn:schemas-microsoft-com:office:powerpoint" xmlns:v="urn:schemas-microsoft-com:vml" xmlns:o="urn:schemas-microsoft-com:office:office" xmlns:dgm="http://schemas.openxmlformats.org/drawingml/2006/diagram" xmlns:c="http://schemas.openxmlformats.org/drawingml/2006/chart" xmlns:mv="urn:schemas-microsoft-com:mac:vml" xmlns:mc="http://schemas.openxmlformats.org/markup-compatibility/2006" xmlns="" r:id="rId27" roundtripDataSignature="AMtx7mja3f1JpJgllVqZbMpLizDtayQKsQ=="/>
+      <go:slidesCustomData xmlns="" xmlns:mc="http://schemas.openxmlformats.org/markup-compatibility/2006" xmlns:mv="urn:schemas-microsoft-com:mac:vml" xmlns:c="http://schemas.openxmlformats.org/drawingml/2006/chart" xmlns:dgm="http://schemas.openxmlformats.org/drawingml/2006/diagram" xmlns:o="urn:schemas-microsoft-com:office:office" xmlns:v="urn:schemas-microsoft-com:vml" xmlns:pvml="urn:schemas-microsoft-com:office:powerpoint" xmlns:com="http://schemas.openxmlformats.org/drawingml/2006/compatibility" xmlns:p14="http://schemas.microsoft.com/office/powerpoint/2010/main" xmlns:p15="http://schemas.microsoft.com/office/powerpoint/2012/main" xmlns:go="http://customooxmlschemas.google.com/" r:id="rId27" roundtripDataSignature="AMtx7mja3f1JpJgllVqZbMpLizDtayQKsQ=="/>
     </p:ext>
   </p:extLst>
 </p:presentation>
@@ -16155,7 +16155,7 @@
         </p:nvSpPr>
         <p:spPr>
           <a:xfrm>
-            <a:off x="1126541" y="1126541"/>
+            <a:off x="1409841" y="1220759"/>
             <a:ext cx="1294790" cy="570585"/>
           </a:xfrm>
           <a:prstGeom prst="rect">
@@ -16192,58 +16192,6 @@
       </p:sp>
       <p:sp>
         <p:nvSpPr>
-          <p:cNvPr id="8" name="Rectangle 7">
-            <a:extLst>
-              <a:ext uri="{FF2B5EF4-FFF2-40B4-BE49-F238E27FC236}">
-                <a16:creationId xmlns:a16="http://schemas.microsoft.com/office/drawing/2014/main" id="{CEF921F9-5C58-084E-A082-C19837C78330}"/>
-              </a:ext>
-            </a:extLst>
-          </p:cNvPr>
-          <p:cNvSpPr/>
-          <p:nvPr/>
-        </p:nvSpPr>
-        <p:spPr>
-          <a:xfrm>
-            <a:off x="2131608" y="3875838"/>
-            <a:ext cx="1566673" cy="629107"/>
-          </a:xfrm>
-          <a:prstGeom prst="rect">
-            <a:avLst/>
-          </a:prstGeom>
-          <a:noFill/>
-          <a:ln>
-            <a:solidFill>
-              <a:schemeClr val="tx1"/>
-            </a:solidFill>
-          </a:ln>
-        </p:spPr>
-        <p:style>
-          <a:lnRef idx="2">
-            <a:schemeClr val="accent1">
-              <a:shade val="50000"/>
-            </a:schemeClr>
-          </a:lnRef>
-          <a:fillRef idx="1">
-            <a:schemeClr val="accent1"/>
-          </a:fillRef>
-          <a:effectRef idx="0">
-            <a:schemeClr val="accent1"/>
-          </a:effectRef>
-          <a:fontRef idx="minor">
-            <a:schemeClr val="lt1"/>
-          </a:fontRef>
-        </p:style>
-        <p:txBody>
-          <a:bodyPr rtlCol="0" anchor="ctr"/>
-          <a:lstStyle/>
-          <a:p>
-            <a:pPr algn="ctr"/>
-            <a:endParaRPr lang="en-US"/>
-          </a:p>
-        </p:txBody>
-      </p:sp>
-      <p:sp>
-        <p:nvSpPr>
           <p:cNvPr id="26" name="Rectangle 25">
             <a:extLst>
               <a:ext uri="{FF2B5EF4-FFF2-40B4-BE49-F238E27FC236}">
@@ -16256,7 +16204,7 @@
         </p:nvSpPr>
         <p:spPr>
           <a:xfrm>
-            <a:off x="4652948" y="393750"/>
+            <a:off x="4255381" y="1077561"/>
             <a:ext cx="1317507" cy="560918"/>
           </a:xfrm>
           <a:prstGeom prst="rect">
@@ -16308,7 +16256,7 @@
         </p:nvSpPr>
         <p:spPr>
           <a:xfrm>
-            <a:off x="5036426" y="509559"/>
+            <a:off x="4638859" y="1169517"/>
             <a:ext cx="562975" cy="307777"/>
           </a:xfrm>
           <a:prstGeom prst="rect">
@@ -16347,7 +16295,7 @@
         </p:nvSpPr>
         <p:spPr>
           <a:xfrm>
-            <a:off x="2242266" y="2845052"/>
+            <a:off x="1844699" y="2837101"/>
             <a:ext cx="1396862" cy="560918"/>
           </a:xfrm>
           <a:prstGeom prst="rect">
@@ -16399,7 +16347,7 @@
         </p:nvSpPr>
         <p:spPr>
           <a:xfrm>
-            <a:off x="2394578" y="2960861"/>
+            <a:off x="1997011" y="2952910"/>
             <a:ext cx="1120820" cy="307777"/>
           </a:xfrm>
           <a:prstGeom prst="rect">
@@ -16435,14 +16383,15 @@
           </p:cNvPr>
           <p:cNvCxnSpPr>
             <a:cxnSpLocks/>
+            <a:stCxn id="26" idx="1"/>
             <a:endCxn id="28" idx="0"/>
           </p:cNvCxnSpPr>
           <p:nvPr/>
         </p:nvCxnSpPr>
         <p:spPr>
           <a:xfrm flipH="1">
-            <a:off x="2940697" y="954668"/>
-            <a:ext cx="1712249" cy="1890384"/>
+            <a:off x="2543130" y="1358020"/>
+            <a:ext cx="1712251" cy="1479081"/>
           </a:xfrm>
           <a:prstGeom prst="straightConnector1">
             <a:avLst/>
@@ -16483,8 +16432,8 @@
           <p:nvPr/>
         </p:nvSpPr>
         <p:spPr>
-          <a:xfrm rot="18729099">
-            <a:off x="2468496" y="1578221"/>
+          <a:xfrm rot="19140055">
+            <a:off x="2023195" y="1753548"/>
             <a:ext cx="2443298" cy="307777"/>
           </a:xfrm>
           <a:prstGeom prst="rect">
@@ -16523,7 +16472,7 @@
         </p:nvSpPr>
         <p:spPr>
           <a:xfrm>
-            <a:off x="4674676" y="2845052"/>
+            <a:off x="4118083" y="2662173"/>
             <a:ext cx="1628417" cy="560918"/>
           </a:xfrm>
           <a:prstGeom prst="rect">
@@ -16575,7 +16524,7 @@
         </p:nvSpPr>
         <p:spPr>
           <a:xfrm>
-            <a:off x="4789013" y="2876523"/>
+            <a:off x="4248322" y="2693644"/>
             <a:ext cx="1399742" cy="523220"/>
           </a:xfrm>
           <a:prstGeom prst="rect">
@@ -16630,7 +16579,7 @@
         </p:nvSpPr>
         <p:spPr>
           <a:xfrm>
-            <a:off x="7249901" y="2845052"/>
+            <a:off x="6852334" y="2837101"/>
             <a:ext cx="1396862" cy="560918"/>
           </a:xfrm>
           <a:prstGeom prst="rect">
@@ -16682,7 +16631,7 @@
         </p:nvSpPr>
         <p:spPr>
           <a:xfrm>
-            <a:off x="7560860" y="2960861"/>
+            <a:off x="7163293" y="2952910"/>
             <a:ext cx="782587" cy="307777"/>
           </a:xfrm>
           <a:prstGeom prst="rect">
@@ -16716,13 +16665,17 @@
               </a:ext>
             </a:extLst>
           </p:cNvPr>
-          <p:cNvCxnSpPr/>
+          <p:cNvCxnSpPr>
+            <a:cxnSpLocks/>
+            <a:stCxn id="32" idx="0"/>
+            <a:endCxn id="26" idx="2"/>
+          </p:cNvCxnSpPr>
           <p:nvPr/>
         </p:nvCxnSpPr>
         <p:spPr>
-          <a:xfrm flipV="1">
-            <a:off x="5488884" y="1007694"/>
-            <a:ext cx="0" cy="1840716"/>
+          <a:xfrm flipH="1" flipV="1">
+            <a:off x="4914135" y="1638479"/>
+            <a:ext cx="18157" cy="1023694"/>
           </a:xfrm>
           <a:prstGeom prst="straightConnector1">
             <a:avLst/>
@@ -16762,13 +16715,15 @@
           </p:cNvPr>
           <p:cNvCxnSpPr>
             <a:cxnSpLocks/>
+            <a:stCxn id="34" idx="0"/>
+            <a:endCxn id="26" idx="3"/>
           </p:cNvCxnSpPr>
           <p:nvPr/>
         </p:nvCxnSpPr>
         <p:spPr>
           <a:xfrm flipH="1" flipV="1">
-            <a:off x="5970455" y="1007694"/>
-            <a:ext cx="1977876" cy="1840717"/>
+            <a:off x="5572888" y="1358020"/>
+            <a:ext cx="1977877" cy="1479081"/>
           </a:xfrm>
           <a:prstGeom prst="straightConnector1">
             <a:avLst/>
@@ -16811,7 +16766,7 @@
         </p:nvSpPr>
         <p:spPr>
           <a:xfrm>
-            <a:off x="4805300" y="4240660"/>
+            <a:off x="4248709" y="4081635"/>
             <a:ext cx="1396862" cy="560918"/>
           </a:xfrm>
           <a:prstGeom prst="rect">
@@ -16863,7 +16818,7 @@
         </p:nvSpPr>
         <p:spPr>
           <a:xfrm>
-            <a:off x="5116259" y="4356468"/>
+            <a:off x="4583521" y="4348517"/>
             <a:ext cx="872355" cy="307777"/>
           </a:xfrm>
           <a:prstGeom prst="rect">
@@ -16900,13 +16855,14 @@
           <p:cNvCxnSpPr>
             <a:cxnSpLocks/>
             <a:stCxn id="28" idx="2"/>
+            <a:endCxn id="38" idx="1"/>
           </p:cNvCxnSpPr>
           <p:nvPr/>
         </p:nvCxnSpPr>
         <p:spPr>
           <a:xfrm>
-            <a:off x="2940697" y="3405970"/>
-            <a:ext cx="1864603" cy="834690"/>
+            <a:off x="2543130" y="3398019"/>
+            <a:ext cx="1705579" cy="964075"/>
           </a:xfrm>
           <a:prstGeom prst="straightConnector1">
             <a:avLst/>
@@ -16946,14 +16902,15 @@
           </p:cNvPr>
           <p:cNvCxnSpPr>
             <a:cxnSpLocks/>
+            <a:stCxn id="38" idx="3"/>
             <a:endCxn id="34" idx="2"/>
           </p:cNvCxnSpPr>
           <p:nvPr/>
         </p:nvCxnSpPr>
         <p:spPr>
           <a:xfrm flipV="1">
-            <a:off x="6172467" y="3405970"/>
-            <a:ext cx="1775865" cy="834688"/>
+            <a:off x="5645571" y="3398019"/>
+            <a:ext cx="1905194" cy="964075"/>
           </a:xfrm>
           <a:prstGeom prst="straightConnector1">
             <a:avLst/>
@@ -16994,14 +16951,15 @@
           </p:cNvPr>
           <p:cNvCxnSpPr>
             <a:cxnSpLocks/>
+            <a:stCxn id="38" idx="0"/>
             <a:endCxn id="33" idx="2"/>
           </p:cNvCxnSpPr>
           <p:nvPr/>
         </p:nvCxnSpPr>
         <p:spPr>
-          <a:xfrm flipH="1" flipV="1">
-            <a:off x="5488884" y="3399743"/>
-            <a:ext cx="12006" cy="840918"/>
+          <a:xfrm flipV="1">
+            <a:off x="4947140" y="3216864"/>
+            <a:ext cx="1053" cy="864771"/>
           </a:xfrm>
           <a:prstGeom prst="straightConnector1">
             <a:avLst/>

--- a/Milestone#2 Reportouts/Milestone 2 report (WIP).pptx
+++ b/Milestone#2 Reportouts/Milestone 2 report (WIP).pptx
@@ -17096,7 +17096,7 @@
                   <a:schemeClr val="bg1"/>
                 </a:solidFill>
               </a:rPr>
-              <a:t>We can get the longitude and latitude by using a </a:t>
+              <a:t>/* We can get the longitude and latitude by using a </a:t>
             </a:r>
             <a:r>
               <a:rPr lang="en-US" sz="1000" dirty="0" err="1">
@@ -17160,7 +17160,7 @@
                   <a:schemeClr val="bg1"/>
                 </a:solidFill>
               </a:rPr>
-              <a:t>.</a:t>
+              <a:t>.  */</a:t>
             </a:r>
           </a:p>
         </p:txBody>
@@ -17301,10 +17301,10 @@
         </p:nvGrpSpPr>
         <p:grpSpPr>
           <a:xfrm>
-            <a:off x="662810" y="1561999"/>
-            <a:ext cx="1621153" cy="1448051"/>
-            <a:chOff x="698824" y="1288988"/>
-            <a:chExt cx="1621153" cy="1448051"/>
+            <a:off x="715549" y="1588274"/>
+            <a:ext cx="1568414" cy="1421776"/>
+            <a:chOff x="751563" y="1315263"/>
+            <a:chExt cx="1568414" cy="1421776"/>
           </a:xfrm>
         </p:grpSpPr>
         <p:sp>
@@ -17321,7 +17321,7 @@
           </p:nvSpPr>
           <p:spPr>
             <a:xfrm>
-              <a:off x="698824" y="1288988"/>
+              <a:off x="778334" y="1344645"/>
               <a:ext cx="1428597" cy="307778"/>
             </a:xfrm>
             <a:prstGeom prst="rect">
@@ -17559,7 +17559,7 @@
         <p:spPr>
           <a:xfrm>
             <a:off x="3663919" y="1504324"/>
-            <a:ext cx="1871025" cy="1200329"/>
+            <a:ext cx="1495922" cy="1200329"/>
           </a:xfrm>
           <a:prstGeom prst="rect">
             <a:avLst/>
@@ -17619,23 +17619,7 @@
                   <a:schemeClr val="bg1"/>
                 </a:solidFill>
               </a:rPr>
-              <a:t>(</a:t>
-            </a:r>
-            <a:r>
-              <a:rPr lang="en-US" sz="1200" dirty="0" err="1">
-                <a:solidFill>
-                  <a:schemeClr val="bg1"/>
-                </a:solidFill>
-              </a:rPr>
-              <a:t>googleplaces</a:t>
-            </a:r>
-            <a:r>
-              <a:rPr lang="en-US" sz="1200" dirty="0">
-                <a:solidFill>
-                  <a:schemeClr val="bg1"/>
-                </a:solidFill>
-              </a:rPr>
-              <a:t>): string</a:t>
+              <a:t>: string</a:t>
             </a:r>
           </a:p>
           <a:p>
@@ -18679,7 +18663,7 @@
         <p:spPr>
           <a:xfrm>
             <a:off x="4970451" y="4290514"/>
-            <a:ext cx="1776435" cy="646330"/>
+            <a:ext cx="1776435" cy="553998"/>
           </a:xfrm>
           <a:prstGeom prst="rect">
             <a:avLst/>
@@ -18699,7 +18683,7 @@
           <a:lstStyle/>
           <a:p>
             <a:r>
-              <a:rPr lang="en-US" sz="1200" dirty="0">
+              <a:rPr lang="en-US" sz="1000" dirty="0">
                 <a:solidFill>
                   <a:schemeClr val="bg1"/>
                 </a:solidFill>
@@ -18707,7 +18691,7 @@
               <a:t>/* There are possibly no information on </a:t>
             </a:r>
             <a:r>
-              <a:rPr lang="en-US" sz="1200" dirty="0" err="1">
+              <a:rPr lang="en-US" sz="1000" dirty="0" err="1">
                 <a:solidFill>
                   <a:schemeClr val="bg1"/>
                 </a:solidFill>
@@ -18715,12 +18699,12 @@
               <a:t>menues</a:t>
             </a:r>
             <a:r>
-              <a:rPr lang="en-US" sz="1200" dirty="0">
+              <a:rPr lang="en-US" sz="1000" dirty="0">
                 <a:solidFill>
                   <a:schemeClr val="bg1"/>
                 </a:solidFill>
               </a:rPr>
-              <a:t> of the place */</a:t>
+              <a:t> of the place  */</a:t>
             </a:r>
           </a:p>
         </p:txBody>
@@ -18903,6 +18887,83 @@
           </a:fontRef>
         </p:style>
       </p:cxnSp>
+      <p:sp>
+        <p:nvSpPr>
+          <p:cNvPr id="36" name="TextBox 35">
+            <a:extLst>
+              <a:ext uri="{FF2B5EF4-FFF2-40B4-BE49-F238E27FC236}">
+                <a16:creationId xmlns:a16="http://schemas.microsoft.com/office/drawing/2014/main" id="{B791334E-C3AB-3A42-9A15-523C31845447}"/>
+              </a:ext>
+            </a:extLst>
+          </p:cNvPr>
+          <p:cNvSpPr txBox="1"/>
+          <p:nvPr/>
+        </p:nvSpPr>
+        <p:spPr>
+          <a:xfrm>
+            <a:off x="3739124" y="3077464"/>
+            <a:ext cx="1776435" cy="707886"/>
+          </a:xfrm>
+          <a:prstGeom prst="rect">
+            <a:avLst/>
+          </a:prstGeom>
+          <a:noFill/>
+          <a:ln>
+            <a:solidFill>
+              <a:schemeClr val="tx1"/>
+            </a:solidFill>
+            <a:prstDash val="dash"/>
+          </a:ln>
+        </p:spPr>
+        <p:txBody>
+          <a:bodyPr wrap="square" rtlCol="0">
+            <a:spAutoFit/>
+          </a:bodyPr>
+          <a:lstStyle/>
+          <a:p>
+            <a:r>
+              <a:rPr lang="en-US" sz="1000" dirty="0">
+                <a:solidFill>
+                  <a:schemeClr val="bg1"/>
+                </a:solidFill>
+              </a:rPr>
+              <a:t>/* if the place has own website, </a:t>
+            </a:r>
+            <a:r>
+              <a:rPr lang="en-US" sz="1000" dirty="0" err="1">
+                <a:solidFill>
+                  <a:schemeClr val="bg1"/>
+                </a:solidFill>
+              </a:rPr>
+              <a:t>url</a:t>
+            </a:r>
+            <a:r>
+              <a:rPr lang="en-US" sz="1000" dirty="0">
+                <a:solidFill>
+                  <a:schemeClr val="bg1"/>
+                </a:solidFill>
+              </a:rPr>
+              <a:t> will be the website address. </a:t>
+            </a:r>
+            <a:r>
+              <a:rPr lang="en-US" sz="1000" dirty="0" err="1">
+                <a:solidFill>
+                  <a:schemeClr val="bg1"/>
+                </a:solidFill>
+              </a:rPr>
+              <a:t>Url</a:t>
+            </a:r>
+            <a:r>
+              <a:rPr lang="en-US" sz="1000" dirty="0">
+                <a:solidFill>
+                  <a:schemeClr val="bg1"/>
+                </a:solidFill>
+              </a:rPr>
+              <a:t> possibly does not exist.  */</a:t>
+            </a:r>
+          </a:p>
+        </p:txBody>
+      </p:sp>
     </p:spTree>
   </p:cSld>
   <p:clrMapOvr>

--- a/Milestone#2 Reportouts/Milestone 2 report (WIP).pptx
+++ b/Milestone#2 Reportouts/Milestone 2 report (WIP).pptx
@@ -285,7 +285,7 @@
       </p15:sldGuideLst>
     </p:ext>
     <p:ext uri="http://customooxmlschemas.google.com/">
-      <go:slidesCustomData xmlns="" xmlns:mc="http://schemas.openxmlformats.org/markup-compatibility/2006" xmlns:mv="urn:schemas-microsoft-com:mac:vml" xmlns:c="http://schemas.openxmlformats.org/drawingml/2006/chart" xmlns:dgm="http://schemas.openxmlformats.org/drawingml/2006/diagram" xmlns:o="urn:schemas-microsoft-com:office:office" xmlns:v="urn:schemas-microsoft-com:vml" xmlns:pvml="urn:schemas-microsoft-com:office:powerpoint" xmlns:com="http://schemas.openxmlformats.org/drawingml/2006/compatibility" xmlns:p14="http://schemas.microsoft.com/office/powerpoint/2010/main" xmlns:p15="http://schemas.microsoft.com/office/powerpoint/2012/main" xmlns:go="http://customooxmlschemas.google.com/" r:id="rId27" roundtripDataSignature="AMtx7mja3f1JpJgllVqZbMpLizDtayQKsQ=="/>
+      <go:slidesCustomData xmlns:go="http://customooxmlschemas.google.com/" xmlns:p15="http://schemas.microsoft.com/office/powerpoint/2012/main" xmlns:p14="http://schemas.microsoft.com/office/powerpoint/2010/main" xmlns:com="http://schemas.openxmlformats.org/drawingml/2006/compatibility" xmlns:pvml="urn:schemas-microsoft-com:office:powerpoint" xmlns:v="urn:schemas-microsoft-com:vml" xmlns:o="urn:schemas-microsoft-com:office:office" xmlns:dgm="http://schemas.openxmlformats.org/drawingml/2006/diagram" xmlns:c="http://schemas.openxmlformats.org/drawingml/2006/chart" xmlns:mv="urn:schemas-microsoft-com:mac:vml" xmlns:mc="http://schemas.openxmlformats.org/markup-compatibility/2006" xmlns="" r:id="rId27" roundtripDataSignature="AMtx7mja3f1JpJgllVqZbMpLizDtayQKsQ=="/>
     </p:ext>
   </p:extLst>
 </p:presentation>
@@ -16256,7 +16256,7 @@
         </p:nvSpPr>
         <p:spPr>
           <a:xfrm>
-            <a:off x="4638859" y="1169517"/>
+            <a:off x="4638859" y="1201321"/>
             <a:ext cx="562975" cy="307777"/>
           </a:xfrm>
           <a:prstGeom prst="rect">
@@ -16524,7 +16524,7 @@
         </p:nvSpPr>
         <p:spPr>
           <a:xfrm>
-            <a:off x="4248322" y="2693644"/>
+            <a:off x="4248322" y="2677742"/>
             <a:ext cx="1399742" cy="523220"/>
           </a:xfrm>
           <a:prstGeom prst="rect">
@@ -16818,7 +16818,7 @@
         </p:nvSpPr>
         <p:spPr>
           <a:xfrm>
-            <a:off x="4583521" y="4348517"/>
+            <a:off x="4583521" y="4213345"/>
             <a:ext cx="872355" cy="307777"/>
           </a:xfrm>
           <a:prstGeom prst="rect">
@@ -16958,8 +16958,8 @@
         </p:nvCxnSpPr>
         <p:spPr>
           <a:xfrm flipV="1">
-            <a:off x="4947140" y="3216864"/>
-            <a:ext cx="1053" cy="864771"/>
+            <a:off x="4947140" y="3200962"/>
+            <a:ext cx="1053" cy="880673"/>
           </a:xfrm>
           <a:prstGeom prst="straightConnector1">
             <a:avLst/>
